--- a/FidLin_Presentation4.0.pptx
+++ b/FidLin_Presentation4.0.pptx
@@ -5,21 +5,23 @@
     <p:sldMasterId id="2147483648" r:id="rId1"/>
   </p:sldMasterIdLst>
   <p:notesMasterIdLst>
-    <p:notesMasterId r:id="rId14"/>
+    <p:notesMasterId r:id="rId16"/>
   </p:notesMasterIdLst>
   <p:sldIdLst>
     <p:sldId id="256" r:id="rId2"/>
-    <p:sldId id="257" r:id="rId3"/>
-    <p:sldId id="276" r:id="rId4"/>
-    <p:sldId id="271" r:id="rId5"/>
-    <p:sldId id="262" r:id="rId6"/>
-    <p:sldId id="267" r:id="rId7"/>
-    <p:sldId id="274" r:id="rId8"/>
-    <p:sldId id="268" r:id="rId9"/>
-    <p:sldId id="269" r:id="rId10"/>
-    <p:sldId id="275" r:id="rId11"/>
-    <p:sldId id="270" r:id="rId12"/>
-    <p:sldId id="272" r:id="rId13"/>
+    <p:sldId id="277" r:id="rId3"/>
+    <p:sldId id="257" r:id="rId4"/>
+    <p:sldId id="276" r:id="rId5"/>
+    <p:sldId id="271" r:id="rId6"/>
+    <p:sldId id="262" r:id="rId7"/>
+    <p:sldId id="267" r:id="rId8"/>
+    <p:sldId id="274" r:id="rId9"/>
+    <p:sldId id="268" r:id="rId10"/>
+    <p:sldId id="269" r:id="rId11"/>
+    <p:sldId id="275" r:id="rId12"/>
+    <p:sldId id="270" r:id="rId13"/>
+    <p:sldId id="272" r:id="rId14"/>
+    <p:sldId id="278" r:id="rId15"/>
   </p:sldIdLst>
   <p:sldSz cx="12192000" cy="6858000"/>
   <p:notesSz cx="6858000" cy="9144000"/>
@@ -770,7 +772,7 @@
           </a:ln>
           <a:extLst>
             <a:ext uri="{C572A759-6A51-4108-AA02-DFA0A04FC94B}">
-              <ma14:wrappingTextBoxFlag xmlns:ma14="http://schemas.microsoft.com/office/mac/drawingml/2011/main" xmlns="" val="1"/>
+              <ma14:wrappingTextBoxFlag xmlns="" xmlns:ma14="http://schemas.microsoft.com/office/mac/drawingml/2011/main" val="1"/>
             </a:ext>
           </a:extLst>
         </p:spPr>
@@ -809,7 +811,7 @@
           </a:ln>
           <a:extLst>
             <a:ext uri="{C572A759-6A51-4108-AA02-DFA0A04FC94B}">
-              <ma14:wrappingTextBoxFlag xmlns:ma14="http://schemas.microsoft.com/office/mac/drawingml/2011/main" xmlns="" val="1"/>
+              <ma14:wrappingTextBoxFlag xmlns="" xmlns:ma14="http://schemas.microsoft.com/office/mac/drawingml/2011/main" val="1"/>
             </a:ext>
           </a:extLst>
         </p:spPr>
@@ -1848,6 +1850,98 @@
       </p:grpSpPr>
       <p:sp>
         <p:nvSpPr>
+          <p:cNvPr id="65" name="Google Shape;99;p16"/>
+          <p:cNvSpPr txBox="1">
+            <a:spLocks noGrp="1"/>
+          </p:cNvSpPr>
+          <p:nvPr>
+            <p:ph type="ctrTitle"/>
+          </p:nvPr>
+        </p:nvSpPr>
+        <p:spPr>
+          <a:xfrm>
+            <a:off x="1600200" y="2386011"/>
+            <a:ext cx="8991600" cy="1646237"/>
+          </a:xfrm>
+          <a:prstGeom prst="rect">
+            <a:avLst/>
+          </a:prstGeom>
+          <a:ln w="9525">
+            <a:solidFill>
+              <a:srgbClr val="000000"/>
+            </a:solidFill>
+          </a:ln>
+        </p:spPr>
+        <p:txBody>
+          <a:bodyPr/>
+          <a:lstStyle/>
+          <a:p>
+            <a:r>
+              <a:t>Metronome</a:t>
+            </a:r>
+          </a:p>
+        </p:txBody>
+      </p:sp>
+      <p:sp>
+        <p:nvSpPr>
+          <p:cNvPr id="66" name="Google Shape;100;p16"/>
+          <p:cNvSpPr txBox="1">
+            <a:spLocks noGrp="1"/>
+          </p:cNvSpPr>
+          <p:nvPr>
+            <p:ph type="subTitle" sz="half" idx="1"/>
+          </p:nvPr>
+        </p:nvSpPr>
+        <p:spPr>
+          <a:xfrm>
+            <a:off x="2693986" y="4351337"/>
+            <a:ext cx="6802437" cy="2506662"/>
+          </a:xfrm>
+          <a:prstGeom prst="rect">
+            <a:avLst/>
+          </a:prstGeom>
+        </p:spPr>
+        <p:txBody>
+          <a:bodyPr/>
+          <a:lstStyle/>
+          <a:p>
+            <a:pPr marL="0">
+              <a:spcBef>
+                <a:spcPts val="0"/>
+              </a:spcBef>
+            </a:pPr>
+            <a:endParaRPr/>
+          </a:p>
+        </p:txBody>
+      </p:sp>
+    </p:spTree>
+  </p:cSld>
+  <p:clrMapOvr>
+    <a:masterClrMapping/>
+  </p:clrMapOvr>
+  <p:transition spd="med"/>
+</p:sld>
+</file>
+
+<file path=ppt/slides/slide11.xml><?xml version="1.0" encoding="utf-8"?>
+<p:sld xmlns:a="http://schemas.openxmlformats.org/drawingml/2006/main" xmlns:r="http://schemas.openxmlformats.org/officeDocument/2006/relationships" xmlns:p="http://schemas.openxmlformats.org/presentationml/2006/main">
+  <p:cSld>
+    <p:spTree>
+      <p:nvGrpSpPr>
+        <p:cNvPr id="1" name=""/>
+        <p:cNvGrpSpPr/>
+        <p:nvPr/>
+      </p:nvGrpSpPr>
+      <p:grpSpPr>
+        <a:xfrm>
+          <a:off x="0" y="0"/>
+          <a:ext cx="0" cy="0"/>
+          <a:chOff x="0" y="0"/>
+          <a:chExt cx="0" cy="0"/>
+        </a:xfrm>
+      </p:grpSpPr>
+      <p:sp>
+        <p:nvSpPr>
           <p:cNvPr id="3" name="Text Placeholder 2"/>
           <p:cNvSpPr>
             <a:spLocks noGrp="1"/>
@@ -1903,7 +1997,7 @@
 </p:sld>
 </file>
 
-<file path=ppt/slides/slide11.xml><?xml version="1.0" encoding="utf-8"?>
+<file path=ppt/slides/slide12.xml><?xml version="1.0" encoding="utf-8"?>
 <p:sld xmlns:a="http://schemas.openxmlformats.org/drawingml/2006/main" xmlns:r="http://schemas.openxmlformats.org/officeDocument/2006/relationships" xmlns:p="http://schemas.openxmlformats.org/presentationml/2006/main">
   <p:cSld>
     <p:spTree>
@@ -2003,7 +2097,7 @@
 </p:sld>
 </file>
 
-<file path=ppt/slides/slide12.xml><?xml version="1.0" encoding="utf-8"?>
+<file path=ppt/slides/slide13.xml><?xml version="1.0" encoding="utf-8"?>
 <p:sld xmlns:a="http://schemas.openxmlformats.org/drawingml/2006/main" xmlns:r="http://schemas.openxmlformats.org/officeDocument/2006/relationships" xmlns:p="http://schemas.openxmlformats.org/presentationml/2006/main">
   <p:cSld>
     <p:spTree>
@@ -2083,7 +2177,229 @@
 </p:sld>
 </file>
 
+<file path=ppt/slides/slide14.xml><?xml version="1.0" encoding="utf-8"?>
+<p:sld xmlns:a="http://schemas.openxmlformats.org/drawingml/2006/main" xmlns:r="http://schemas.openxmlformats.org/officeDocument/2006/relationships" xmlns:p="http://schemas.openxmlformats.org/presentationml/2006/main">
+  <p:cSld>
+    <p:spTree>
+      <p:nvGrpSpPr>
+        <p:cNvPr id="1" name=""/>
+        <p:cNvGrpSpPr/>
+        <p:nvPr/>
+      </p:nvGrpSpPr>
+      <p:grpSpPr>
+        <a:xfrm>
+          <a:off x="0" y="0"/>
+          <a:ext cx="0" cy="0"/>
+          <a:chOff x="0" y="0"/>
+          <a:chExt cx="0" cy="0"/>
+        </a:xfrm>
+      </p:grpSpPr>
+      <p:sp>
+        <p:nvSpPr>
+          <p:cNvPr id="2" name="Title 1">
+            <a:extLst>
+              <a:ext uri="{FF2B5EF4-FFF2-40B4-BE49-F238E27FC236}">
+                <a16:creationId xmlns:a16="http://schemas.microsoft.com/office/drawing/2014/main" id="{40955E34-A779-4A6F-838E-44F91291328E}"/>
+              </a:ext>
+            </a:extLst>
+          </p:cNvPr>
+          <p:cNvSpPr>
+            <a:spLocks noGrp="1"/>
+          </p:cNvSpPr>
+          <p:nvPr>
+            <p:ph type="title"/>
+          </p:nvPr>
+        </p:nvSpPr>
+        <p:spPr/>
+        <p:txBody>
+          <a:bodyPr/>
+          <a:lstStyle/>
+          <a:p>
+            <a:r>
+              <a:rPr lang="en-US" dirty="0"/>
+              <a:t>Plan for Final Sprint</a:t>
+            </a:r>
+          </a:p>
+        </p:txBody>
+      </p:sp>
+      <p:sp>
+        <p:nvSpPr>
+          <p:cNvPr id="3" name="Text Placeholder 2">
+            <a:extLst>
+              <a:ext uri="{FF2B5EF4-FFF2-40B4-BE49-F238E27FC236}">
+                <a16:creationId xmlns:a16="http://schemas.microsoft.com/office/drawing/2014/main" id="{AEC1C78B-CB49-4208-A0F4-89B09FBE1FF1}"/>
+              </a:ext>
+            </a:extLst>
+          </p:cNvPr>
+          <p:cNvSpPr>
+            <a:spLocks noGrp="1"/>
+          </p:cNvSpPr>
+          <p:nvPr>
+            <p:ph type="body" sz="half" idx="1"/>
+          </p:nvPr>
+        </p:nvSpPr>
+        <p:spPr/>
+        <p:txBody>
+          <a:bodyPr/>
+          <a:lstStyle/>
+          <a:p>
+            <a:pPr marL="571500" indent="-342900" algn="l">
+              <a:buFont typeface="Arial" panose="020B0604020202020204" pitchFamily="34" charset="0"/>
+              <a:buChar char="•"/>
+            </a:pPr>
+            <a:r>
+              <a:rPr lang="en-US" dirty="0"/>
+              <a:t>Review the working functions and clean them up where needed.</a:t>
+            </a:r>
+          </a:p>
+          <a:p>
+            <a:pPr marL="571500" indent="-342900" algn="l">
+              <a:buFont typeface="Arial" panose="020B0604020202020204" pitchFamily="34" charset="0"/>
+              <a:buChar char="•"/>
+            </a:pPr>
+            <a:r>
+              <a:rPr lang="en-US" dirty="0"/>
+              <a:t>Finish up any diagrams / documents needed</a:t>
+            </a:r>
+          </a:p>
+          <a:p>
+            <a:pPr marL="571500" indent="-342900" algn="l">
+              <a:buFont typeface="Arial" panose="020B0604020202020204" pitchFamily="34" charset="0"/>
+              <a:buChar char="•"/>
+            </a:pPr>
+            <a:r>
+              <a:rPr lang="en-US" dirty="0"/>
+              <a:t>Prepare for the symposium</a:t>
+            </a:r>
+          </a:p>
+        </p:txBody>
+      </p:sp>
+    </p:spTree>
+    <p:extLst>
+      <p:ext uri="{BB962C8B-B14F-4D97-AF65-F5344CB8AC3E}">
+        <p14:creationId xmlns:p14="http://schemas.microsoft.com/office/powerpoint/2010/main" val="3749155368"/>
+      </p:ext>
+    </p:extLst>
+  </p:cSld>
+  <p:clrMapOvr>
+    <a:masterClrMapping/>
+  </p:clrMapOvr>
+  <p:transition spd="med"/>
+</p:sld>
+</file>
+
 <file path=ppt/slides/slide2.xml><?xml version="1.0" encoding="utf-8"?>
+<p:sld xmlns:a="http://schemas.openxmlformats.org/drawingml/2006/main" xmlns:r="http://schemas.openxmlformats.org/officeDocument/2006/relationships" xmlns:p="http://schemas.openxmlformats.org/presentationml/2006/main">
+  <p:cSld>
+    <p:spTree>
+      <p:nvGrpSpPr>
+        <p:cNvPr id="1" name=""/>
+        <p:cNvGrpSpPr/>
+        <p:nvPr/>
+      </p:nvGrpSpPr>
+      <p:grpSpPr>
+        <a:xfrm>
+          <a:off x="0" y="0"/>
+          <a:ext cx="0" cy="0"/>
+          <a:chOff x="0" y="0"/>
+          <a:chExt cx="0" cy="0"/>
+        </a:xfrm>
+      </p:grpSpPr>
+      <p:sp>
+        <p:nvSpPr>
+          <p:cNvPr id="2" name="Title 1">
+            <a:extLst>
+              <a:ext uri="{FF2B5EF4-FFF2-40B4-BE49-F238E27FC236}">
+                <a16:creationId xmlns:a16="http://schemas.microsoft.com/office/drawing/2014/main" id="{D37D7FC6-54F2-44F2-96B8-087F2C534B93}"/>
+              </a:ext>
+            </a:extLst>
+          </p:cNvPr>
+          <p:cNvSpPr>
+            <a:spLocks noGrp="1"/>
+          </p:cNvSpPr>
+          <p:nvPr>
+            <p:ph type="title"/>
+          </p:nvPr>
+        </p:nvSpPr>
+        <p:spPr/>
+        <p:txBody>
+          <a:bodyPr/>
+          <a:lstStyle/>
+          <a:p>
+            <a:r>
+              <a:rPr lang="en-US" dirty="0"/>
+              <a:t>Since Sprint 2…</a:t>
+            </a:r>
+          </a:p>
+        </p:txBody>
+      </p:sp>
+      <p:sp>
+        <p:nvSpPr>
+          <p:cNvPr id="3" name="Text Placeholder 2">
+            <a:extLst>
+              <a:ext uri="{FF2B5EF4-FFF2-40B4-BE49-F238E27FC236}">
+                <a16:creationId xmlns:a16="http://schemas.microsoft.com/office/drawing/2014/main" id="{AE9963C4-1B0F-48F3-9078-99F264947D25}"/>
+              </a:ext>
+            </a:extLst>
+          </p:cNvPr>
+          <p:cNvSpPr>
+            <a:spLocks noGrp="1"/>
+          </p:cNvSpPr>
+          <p:nvPr>
+            <p:ph type="body" sz="half" idx="1"/>
+          </p:nvPr>
+        </p:nvSpPr>
+        <p:spPr/>
+        <p:txBody>
+          <a:bodyPr/>
+          <a:lstStyle/>
+          <a:p>
+            <a:pPr marL="571500" indent="-342900" algn="l">
+              <a:buFont typeface="Arial" panose="020B0604020202020204" pitchFamily="34" charset="0"/>
+              <a:buChar char="•"/>
+            </a:pPr>
+            <a:r>
+              <a:rPr lang="en-US" dirty="0"/>
+              <a:t>Reviewed, updated, and created new UML Diagrams and documents. </a:t>
+            </a:r>
+          </a:p>
+          <a:p>
+            <a:pPr marL="571500" indent="-342900" algn="l">
+              <a:buFont typeface="Arial" panose="020B0604020202020204" pitchFamily="34" charset="0"/>
+              <a:buChar char="•"/>
+            </a:pPr>
+            <a:r>
+              <a:rPr lang="en-US" dirty="0"/>
+              <a:t>Got Brain Tuning, Scales, and metronome functioning and ready to be presented.</a:t>
+            </a:r>
+          </a:p>
+          <a:p>
+            <a:pPr marL="571500" indent="-342900" algn="l">
+              <a:buFont typeface="Arial" panose="020B0604020202020204" pitchFamily="34" charset="0"/>
+              <a:buChar char="•"/>
+            </a:pPr>
+            <a:r>
+              <a:rPr lang="en-US" dirty="0"/>
+              <a:t>Poster document completed.</a:t>
+            </a:r>
+          </a:p>
+        </p:txBody>
+      </p:sp>
+    </p:spTree>
+    <p:extLst>
+      <p:ext uri="{BB962C8B-B14F-4D97-AF65-F5344CB8AC3E}">
+        <p14:creationId xmlns:p14="http://schemas.microsoft.com/office/powerpoint/2010/main" val="3354270183"/>
+      </p:ext>
+    </p:extLst>
+  </p:cSld>
+  <p:clrMapOvr>
+    <a:masterClrMapping/>
+  </p:clrMapOvr>
+  <p:transition spd="med"/>
+</p:sld>
+</file>
+
+<file path=ppt/slides/slide3.xml><?xml version="1.0" encoding="utf-8"?>
 <p:sld xmlns:a="http://schemas.openxmlformats.org/drawingml/2006/main" xmlns:r="http://schemas.openxmlformats.org/officeDocument/2006/relationships" xmlns:p="http://schemas.openxmlformats.org/presentationml/2006/main">
   <p:cSld>
     <p:spTree>
@@ -2185,7 +2501,7 @@
 </p:sld>
 </file>
 
-<file path=ppt/slides/slide3.xml><?xml version="1.0" encoding="utf-8"?>
+<file path=ppt/slides/slide4.xml><?xml version="1.0" encoding="utf-8"?>
 <p:sld xmlns:a="http://schemas.openxmlformats.org/drawingml/2006/main" xmlns:r="http://schemas.openxmlformats.org/officeDocument/2006/relationships" xmlns:p="http://schemas.openxmlformats.org/presentationml/2006/main">
   <p:cSld>
     <p:spTree>
@@ -2477,7 +2793,7 @@
 </p:sld>
 </file>
 
-<file path=ppt/slides/slide4.xml><?xml version="1.0" encoding="utf-8"?>
+<file path=ppt/slides/slide5.xml><?xml version="1.0" encoding="utf-8"?>
 <p:sld xmlns:a="http://schemas.openxmlformats.org/drawingml/2006/main" xmlns:r="http://schemas.openxmlformats.org/officeDocument/2006/relationships" xmlns:p="http://schemas.openxmlformats.org/presentationml/2006/main">
   <p:cSld>
     <p:spTree>
@@ -2576,7 +2892,7 @@
 </p:sld>
 </file>
 
-<file path=ppt/slides/slide5.xml><?xml version="1.0" encoding="utf-8"?>
+<file path=ppt/slides/slide6.xml><?xml version="1.0" encoding="utf-8"?>
 <p:sld xmlns:a="http://schemas.openxmlformats.org/drawingml/2006/main" xmlns:r="http://schemas.openxmlformats.org/officeDocument/2006/relationships" xmlns:p="http://schemas.openxmlformats.org/presentationml/2006/main">
   <p:cSld>
     <p:spTree>
@@ -2671,7 +2987,7 @@
 </p:sld>
 </file>
 
-<file path=ppt/slides/slide6.xml><?xml version="1.0" encoding="utf-8"?>
+<file path=ppt/slides/slide7.xml><?xml version="1.0" encoding="utf-8"?>
 <p:sld xmlns:a="http://schemas.openxmlformats.org/drawingml/2006/main" xmlns:r="http://schemas.openxmlformats.org/officeDocument/2006/relationships" xmlns:p="http://schemas.openxmlformats.org/presentationml/2006/main">
   <p:cSld>
     <p:spTree>
@@ -2763,7 +3079,7 @@
 </p:sld>
 </file>
 
-<file path=ppt/slides/slide7.xml><?xml version="1.0" encoding="utf-8"?>
+<file path=ppt/slides/slide8.xml><?xml version="1.0" encoding="utf-8"?>
 <p:sld xmlns:a="http://schemas.openxmlformats.org/drawingml/2006/main" xmlns:r="http://schemas.openxmlformats.org/officeDocument/2006/relationships" xmlns:p="http://schemas.openxmlformats.org/presentationml/2006/main">
   <p:cSld>
     <p:spTree>
@@ -2843,7 +3159,7 @@
 </p:sld>
 </file>
 
-<file path=ppt/slides/slide8.xml><?xml version="1.0" encoding="utf-8"?>
+<file path=ppt/slides/slide9.xml><?xml version="1.0" encoding="utf-8"?>
 <p:sld xmlns:a="http://schemas.openxmlformats.org/drawingml/2006/main" xmlns:r="http://schemas.openxmlformats.org/officeDocument/2006/relationships" xmlns:p="http://schemas.openxmlformats.org/presentationml/2006/main">
   <p:cSld>
     <p:spTree>
@@ -3422,98 +3738,6 @@
               </a:rPr>
               <a:t>Good Input</a:t>
             </a:r>
-          </a:p>
-        </p:txBody>
-      </p:sp>
-    </p:spTree>
-  </p:cSld>
-  <p:clrMapOvr>
-    <a:masterClrMapping/>
-  </p:clrMapOvr>
-  <p:transition spd="med"/>
-</p:sld>
-</file>
-
-<file path=ppt/slides/slide9.xml><?xml version="1.0" encoding="utf-8"?>
-<p:sld xmlns:a="http://schemas.openxmlformats.org/drawingml/2006/main" xmlns:r="http://schemas.openxmlformats.org/officeDocument/2006/relationships" xmlns:p="http://schemas.openxmlformats.org/presentationml/2006/main">
-  <p:cSld>
-    <p:spTree>
-      <p:nvGrpSpPr>
-        <p:cNvPr id="1" name=""/>
-        <p:cNvGrpSpPr/>
-        <p:nvPr/>
-      </p:nvGrpSpPr>
-      <p:grpSpPr>
-        <a:xfrm>
-          <a:off x="0" y="0"/>
-          <a:ext cx="0" cy="0"/>
-          <a:chOff x="0" y="0"/>
-          <a:chExt cx="0" cy="0"/>
-        </a:xfrm>
-      </p:grpSpPr>
-      <p:sp>
-        <p:nvSpPr>
-          <p:cNvPr id="65" name="Google Shape;99;p16"/>
-          <p:cNvSpPr txBox="1">
-            <a:spLocks noGrp="1"/>
-          </p:cNvSpPr>
-          <p:nvPr>
-            <p:ph type="ctrTitle"/>
-          </p:nvPr>
-        </p:nvSpPr>
-        <p:spPr>
-          <a:xfrm>
-            <a:off x="1600200" y="2386011"/>
-            <a:ext cx="8991600" cy="1646237"/>
-          </a:xfrm>
-          <a:prstGeom prst="rect">
-            <a:avLst/>
-          </a:prstGeom>
-          <a:ln w="9525">
-            <a:solidFill>
-              <a:srgbClr val="000000"/>
-            </a:solidFill>
-          </a:ln>
-        </p:spPr>
-        <p:txBody>
-          <a:bodyPr/>
-          <a:lstStyle/>
-          <a:p>
-            <a:r>
-              <a:t>Metronome</a:t>
-            </a:r>
-          </a:p>
-        </p:txBody>
-      </p:sp>
-      <p:sp>
-        <p:nvSpPr>
-          <p:cNvPr id="66" name="Google Shape;100;p16"/>
-          <p:cNvSpPr txBox="1">
-            <a:spLocks noGrp="1"/>
-          </p:cNvSpPr>
-          <p:nvPr>
-            <p:ph type="subTitle" sz="half" idx="1"/>
-          </p:nvPr>
-        </p:nvSpPr>
-        <p:spPr>
-          <a:xfrm>
-            <a:off x="2693986" y="4351337"/>
-            <a:ext cx="6802437" cy="2506662"/>
-          </a:xfrm>
-          <a:prstGeom prst="rect">
-            <a:avLst/>
-          </a:prstGeom>
-        </p:spPr>
-        <p:txBody>
-          <a:bodyPr/>
-          <a:lstStyle/>
-          <a:p>
-            <a:pPr marL="0">
-              <a:spcBef>
-                <a:spcPts val="0"/>
-              </a:spcBef>
-            </a:pPr>
-            <a:endParaRPr/>
           </a:p>
         </p:txBody>
       </p:sp>

--- a/FidLin_Presentation4.0.pptx
+++ b/FidLin_Presentation4.0.pptx
@@ -5,7 +5,7 @@
     <p:sldMasterId id="2147483648" r:id="rId1"/>
   </p:sldMasterIdLst>
   <p:notesMasterIdLst>
-    <p:notesMasterId r:id="rId16"/>
+    <p:notesMasterId r:id="rId17"/>
   </p:notesMasterIdLst>
   <p:sldIdLst>
     <p:sldId id="256" r:id="rId2"/>
@@ -20,8 +20,9 @@
     <p:sldId id="269" r:id="rId11"/>
     <p:sldId id="275" r:id="rId12"/>
     <p:sldId id="270" r:id="rId13"/>
-    <p:sldId id="272" r:id="rId14"/>
-    <p:sldId id="278" r:id="rId15"/>
+    <p:sldId id="279" r:id="rId14"/>
+    <p:sldId id="272" r:id="rId15"/>
+    <p:sldId id="278" r:id="rId16"/>
   </p:sldIdLst>
   <p:sldSz cx="12192000" cy="6858000"/>
   <p:notesSz cx="6858000" cy="9144000"/>
@@ -772,7 +773,7 @@
           </a:ln>
           <a:extLst>
             <a:ext uri="{C572A759-6A51-4108-AA02-DFA0A04FC94B}">
-              <ma14:wrappingTextBoxFlag xmlns="" xmlns:ma14="http://schemas.microsoft.com/office/mac/drawingml/2011/main" val="1"/>
+              <ma14:wrappingTextBoxFlag xmlns:ma14="http://schemas.microsoft.com/office/mac/drawingml/2011/main" xmlns="" val="1"/>
             </a:ext>
           </a:extLst>
         </p:spPr>
@@ -811,7 +812,7 @@
           </a:ln>
           <a:extLst>
             <a:ext uri="{C572A759-6A51-4108-AA02-DFA0A04FC94B}">
-              <ma14:wrappingTextBoxFlag xmlns="" xmlns:ma14="http://schemas.microsoft.com/office/mac/drawingml/2011/main" val="1"/>
+              <ma14:wrappingTextBoxFlag xmlns:ma14="http://schemas.microsoft.com/office/mac/drawingml/2011/main" xmlns="" val="1"/>
             </a:ext>
           </a:extLst>
         </p:spPr>
@@ -2043,7 +2044,8 @@
           <a:lstStyle/>
           <a:p>
             <a:r>
-              <a:t>Tuning (the beast)</a:t>
+              <a:rPr dirty="0"/>
+              <a:t>Tuning</a:t>
             </a:r>
           </a:p>
         </p:txBody>
@@ -2071,20 +2073,19 @@
           <a:bodyPr/>
           <a:lstStyle/>
           <a:p>
-            <a:pPr marL="0">
-              <a:spcBef>
-                <a:spcPts val="0"/>
-              </a:spcBef>
-            </a:pPr>
-            <a:r>
-              <a:t>Vocal Processor Demonstration</a:t>
-            </a:r>
-          </a:p>
-          <a:p>
             <a:pPr marL="0"/>
             <a:r>
-              <a:t>The Challenge of Adding it to the Program</a:t>
+              <a:rPr lang="en-US" dirty="0"/>
+              <a:t>Brain Tuning Functionality</a:t>
             </a:r>
+          </a:p>
+          <a:p>
+            <a:pPr marL="0"/>
+            <a:r>
+              <a:rPr lang="en-US" dirty="0"/>
+              <a:t>Smart Play – Only One String at a Time</a:t>
+            </a:r>
+            <a:endParaRPr dirty="0"/>
           </a:p>
         </p:txBody>
       </p:sp>
@@ -2098,6 +2099,73 @@
 </file>
 
 <file path=ppt/slides/slide13.xml><?xml version="1.0" encoding="utf-8"?>
+<p:sld xmlns:a="http://schemas.openxmlformats.org/drawingml/2006/main" xmlns:r="http://schemas.openxmlformats.org/officeDocument/2006/relationships" xmlns:p="http://schemas.openxmlformats.org/presentationml/2006/main">
+  <p:cSld>
+    <p:spTree>
+      <p:nvGrpSpPr>
+        <p:cNvPr id="1" name=""/>
+        <p:cNvGrpSpPr/>
+        <p:nvPr/>
+      </p:nvGrpSpPr>
+      <p:grpSpPr>
+        <a:xfrm>
+          <a:off x="0" y="0"/>
+          <a:ext cx="0" cy="0"/>
+          <a:chOff x="0" y="0"/>
+          <a:chExt cx="0" cy="0"/>
+        </a:xfrm>
+      </p:grpSpPr>
+      <p:pic>
+        <p:nvPicPr>
+          <p:cNvPr id="5" name="Picture 4">
+            <a:extLst>
+              <a:ext uri="{FF2B5EF4-FFF2-40B4-BE49-F238E27FC236}">
+                <a16:creationId xmlns:a16="http://schemas.microsoft.com/office/drawing/2014/main" id="{AB7F688D-1AD7-4024-ACE2-590E4315CC6C}"/>
+              </a:ext>
+            </a:extLst>
+          </p:cNvPr>
+          <p:cNvPicPr>
+            <a:picLocks noChangeAspect="1"/>
+          </p:cNvPicPr>
+          <p:nvPr/>
+        </p:nvPicPr>
+        <p:blipFill>
+          <a:blip r:embed="rId2">
+            <a:extLst>
+              <a:ext uri="{28A0092B-C50C-407E-A947-70E740481C1C}">
+                <a14:useLocalDpi xmlns:a14="http://schemas.microsoft.com/office/drawing/2010/main" val="0"/>
+              </a:ext>
+            </a:extLst>
+          </a:blip>
+          <a:stretch>
+            <a:fillRect/>
+          </a:stretch>
+        </p:blipFill>
+        <p:spPr>
+          <a:xfrm>
+            <a:off x="4447945" y="494890"/>
+            <a:ext cx="3296110" cy="5868219"/>
+          </a:xfrm>
+          <a:prstGeom prst="rect">
+            <a:avLst/>
+          </a:prstGeom>
+        </p:spPr>
+      </p:pic>
+    </p:spTree>
+    <p:extLst>
+      <p:ext uri="{BB962C8B-B14F-4D97-AF65-F5344CB8AC3E}">
+        <p14:creationId xmlns:p14="http://schemas.microsoft.com/office/powerpoint/2010/main" val="1007412785"/>
+      </p:ext>
+    </p:extLst>
+  </p:cSld>
+  <p:clrMapOvr>
+    <a:masterClrMapping/>
+  </p:clrMapOvr>
+  <p:transition spd="med"/>
+</p:sld>
+</file>
+
+<file path=ppt/slides/slide14.xml><?xml version="1.0" encoding="utf-8"?>
 <p:sld xmlns:a="http://schemas.openxmlformats.org/drawingml/2006/main" xmlns:r="http://schemas.openxmlformats.org/officeDocument/2006/relationships" xmlns:p="http://schemas.openxmlformats.org/presentationml/2006/main">
   <p:cSld>
     <p:spTree>
@@ -2177,7 +2245,7 @@
 </p:sld>
 </file>
 
-<file path=ppt/slides/slide14.xml><?xml version="1.0" encoding="utf-8"?>
+<file path=ppt/slides/slide15.xml><?xml version="1.0" encoding="utf-8"?>
 <p:sld xmlns:a="http://schemas.openxmlformats.org/drawingml/2006/main" xmlns:r="http://schemas.openxmlformats.org/officeDocument/2006/relationships" xmlns:p="http://schemas.openxmlformats.org/presentationml/2006/main">
   <p:cSld>
     <p:spTree>
